--- a/ppt_screenshots/Notes Sharing Web Application using Django Framework - Andrew_Nathan(4006,LICET).pptx
+++ b/ppt_screenshots/Notes Sharing Web Application using Django Framework - Andrew_Nathan(4006,LICET).pptx
@@ -5,7 +5,7 @@
     <p:sldMasterId id="2147483665" r:id="rId4"/>
   </p:sldMasterIdLst>
   <p:notesMasterIdLst>
-    <p:notesMasterId r:id="rId21"/>
+    <p:notesMasterId r:id="rId22"/>
   </p:notesMasterIdLst>
   <p:sldIdLst>
     <p:sldId id="292" r:id="rId5"/>
@@ -21,9 +21,10 @@
     <p:sldId id="1294" r:id="rId15"/>
     <p:sldId id="1295" r:id="rId16"/>
     <p:sldId id="1296" r:id="rId17"/>
-    <p:sldId id="1297" r:id="rId18"/>
-    <p:sldId id="1288" r:id="rId19"/>
-    <p:sldId id="1249" r:id="rId20"/>
+    <p:sldId id="1306" r:id="rId18"/>
+    <p:sldId id="1297" r:id="rId19"/>
+    <p:sldId id="1288" r:id="rId20"/>
+    <p:sldId id="1249" r:id="rId21"/>
   </p:sldIdLst>
   <p:sldSz cx="9144000" cy="5143500" type="screen16x9"/>
   <p:notesSz cx="6858000" cy="9144000"/>
@@ -288,7 +289,7 @@
       </p15:sldGuideLst>
     </p:ext>
     <p:ext uri="http://customooxmlschemas.google.com/">
-      <go:slidesCustomData xmlns:mc="http://schemas.openxmlformats.org/markup-compatibility/2006" xmlns:mv="urn:schemas-microsoft-com:mac:vml" xmlns:c="http://schemas.openxmlformats.org/drawingml/2006/chart" xmlns:dgm="http://schemas.openxmlformats.org/drawingml/2006/diagram" xmlns:o="urn:schemas-microsoft-com:office:office" xmlns:v="urn:schemas-microsoft-com:vml" xmlns:pvml="urn:schemas-microsoft-com:office:powerpoint" xmlns:com="http://schemas.openxmlformats.org/drawingml/2006/compatibility" xmlns:p14="http://schemas.microsoft.com/office/powerpoint/2010/main" xmlns:p15="http://schemas.microsoft.com/office/powerpoint/2012/main" xmlns:go="http://customooxmlschemas.google.com/" xmlns="" r:id="rId220" roundtripDataSignature="AMtx7miWNY2LB4ETJwrL8F0N+EK9hEhqUQ=="/>
+      <go:slidesCustomData xmlns="" xmlns:go="http://customooxmlschemas.google.com/" xmlns:p15="http://schemas.microsoft.com/office/powerpoint/2012/main" xmlns:p14="http://schemas.microsoft.com/office/powerpoint/2010/main" xmlns:com="http://schemas.openxmlformats.org/drawingml/2006/compatibility" xmlns:pvml="urn:schemas-microsoft-com:office:powerpoint" xmlns:v="urn:schemas-microsoft-com:vml" xmlns:o="urn:schemas-microsoft-com:office:office" xmlns:dgm="http://schemas.openxmlformats.org/drawingml/2006/diagram" xmlns:c="http://schemas.openxmlformats.org/drawingml/2006/chart" xmlns:mv="urn:schemas-microsoft-com:mac:vml" xmlns:mc="http://schemas.openxmlformats.org/markup-compatibility/2006" r:id="rId220" roundtripDataSignature="AMtx7miWNY2LB4ETJwrL8F0N+EK9hEhqUQ=="/>
     </p:ext>
   </p:extLst>
 </p:presentation>
@@ -15191,6 +15192,36 @@
           </a:p>
         </p:txBody>
       </p:sp>
+      <p:pic>
+        <p:nvPicPr>
+          <p:cNvPr id="4" name="Picture 3">
+            <a:extLst>
+              <a:ext uri="{FF2B5EF4-FFF2-40B4-BE49-F238E27FC236}">
+                <a16:creationId xmlns:a16="http://schemas.microsoft.com/office/drawing/2014/main" id="{23738A16-C42D-76AD-79A2-C2269705E862}"/>
+              </a:ext>
+            </a:extLst>
+          </p:cNvPr>
+          <p:cNvPicPr>
+            <a:picLocks noChangeAspect="1"/>
+          </p:cNvPicPr>
+          <p:nvPr/>
+        </p:nvPicPr>
+        <p:blipFill>
+          <a:blip r:embed="rId2"/>
+          <a:stretch>
+            <a:fillRect/>
+          </a:stretch>
+        </p:blipFill>
+        <p:spPr>
+          <a:xfrm>
+            <a:off x="0" y="1625707"/>
+            <a:ext cx="9144000" cy="4302778"/>
+          </a:xfrm>
+          <a:prstGeom prst="rect">
+            <a:avLst/>
+          </a:prstGeom>
+        </p:spPr>
+      </p:pic>
     </p:spTree>
     <p:extLst>
       <p:ext uri="{BB962C8B-B14F-4D97-AF65-F5344CB8AC3E}">
@@ -15250,11 +15281,45 @@
             <a:pPr algn="ctr"/>
             <a:r>
               <a:rPr lang="en-US" b="1" dirty="0"/>
-              <a:t>Service-Page</a:t>
+              <a:t>Playlist</a:t>
             </a:r>
+            <a:br>
+              <a:rPr lang="en-US" b="1" dirty="0"/>
+            </a:br>
+            <a:endParaRPr lang="en-US" b="1" dirty="0"/>
           </a:p>
         </p:txBody>
       </p:sp>
+      <p:pic>
+        <p:nvPicPr>
+          <p:cNvPr id="4" name="Picture 3">
+            <a:extLst>
+              <a:ext uri="{FF2B5EF4-FFF2-40B4-BE49-F238E27FC236}">
+                <a16:creationId xmlns:a16="http://schemas.microsoft.com/office/drawing/2014/main" id="{5E6A9AAB-FB9F-A06F-DCFF-D5E4C33DBB64}"/>
+              </a:ext>
+            </a:extLst>
+          </p:cNvPr>
+          <p:cNvPicPr>
+            <a:picLocks noChangeAspect="1"/>
+          </p:cNvPicPr>
+          <p:nvPr/>
+        </p:nvPicPr>
+        <p:blipFill>
+          <a:blip r:embed="rId2"/>
+          <a:stretch>
+            <a:fillRect/>
+          </a:stretch>
+        </p:blipFill>
+        <p:spPr>
+          <a:xfrm>
+            <a:off x="-225" y="1471766"/>
+            <a:ext cx="9144000" cy="3148726"/>
+          </a:xfrm>
+          <a:prstGeom prst="rect">
+            <a:avLst/>
+          </a:prstGeom>
+        </p:spPr>
+      </p:pic>
     </p:spTree>
     <p:extLst>
       <p:ext uri="{BB962C8B-B14F-4D97-AF65-F5344CB8AC3E}">
@@ -15313,12 +15378,42 @@
           <a:p>
             <a:pPr algn="ctr"/>
             <a:r>
-              <a:rPr lang="en-US" b="1"/>
-              <a:t>Departments-Page</a:t>
+              <a:rPr lang="en-US" b="1" dirty="0"/>
+              <a:t>Login-Page</a:t>
             </a:r>
           </a:p>
         </p:txBody>
       </p:sp>
+      <p:pic>
+        <p:nvPicPr>
+          <p:cNvPr id="4" name="Picture 3">
+            <a:extLst>
+              <a:ext uri="{FF2B5EF4-FFF2-40B4-BE49-F238E27FC236}">
+                <a16:creationId xmlns:a16="http://schemas.microsoft.com/office/drawing/2014/main" id="{E6C49F51-D2FC-5658-AD7F-BE9932A01F49}"/>
+              </a:ext>
+            </a:extLst>
+          </p:cNvPr>
+          <p:cNvPicPr>
+            <a:picLocks noChangeAspect="1"/>
+          </p:cNvPicPr>
+          <p:nvPr/>
+        </p:nvPicPr>
+        <p:blipFill>
+          <a:blip r:embed="rId2"/>
+          <a:stretch>
+            <a:fillRect/>
+          </a:stretch>
+        </p:blipFill>
+        <p:spPr>
+          <a:xfrm>
+            <a:off x="0" y="1745673"/>
+            <a:ext cx="9144000" cy="3046558"/>
+          </a:xfrm>
+          <a:prstGeom prst="rect">
+            <a:avLst/>
+          </a:prstGeom>
+        </p:spPr>
+      </p:pic>
     </p:spTree>
     <p:extLst>
       <p:ext uri="{BB962C8B-B14F-4D97-AF65-F5344CB8AC3E}">
@@ -15378,11 +15473,41 @@
             <a:pPr algn="ctr"/>
             <a:r>
               <a:rPr lang="en-US" b="1" dirty="0"/>
-              <a:t>Blog-Page</a:t>
+              <a:t>Register-Page</a:t>
             </a:r>
           </a:p>
         </p:txBody>
       </p:sp>
+      <p:pic>
+        <p:nvPicPr>
+          <p:cNvPr id="4" name="Picture 3">
+            <a:extLst>
+              <a:ext uri="{FF2B5EF4-FFF2-40B4-BE49-F238E27FC236}">
+                <a16:creationId xmlns:a16="http://schemas.microsoft.com/office/drawing/2014/main" id="{F9A5F23F-6534-9285-6BA5-6D75ECFDE3D9}"/>
+              </a:ext>
+            </a:extLst>
+          </p:cNvPr>
+          <p:cNvPicPr>
+            <a:picLocks noChangeAspect="1"/>
+          </p:cNvPicPr>
+          <p:nvPr/>
+        </p:nvPicPr>
+        <p:blipFill>
+          <a:blip r:embed="rId2"/>
+          <a:stretch>
+            <a:fillRect/>
+          </a:stretch>
+        </p:blipFill>
+        <p:spPr>
+          <a:xfrm>
+            <a:off x="0" y="1518534"/>
+            <a:ext cx="9144000" cy="3192012"/>
+          </a:xfrm>
+          <a:prstGeom prst="rect">
+            <a:avLst/>
+          </a:prstGeom>
+        </p:spPr>
+      </p:pic>
     </p:spTree>
     <p:extLst>
       <p:ext uri="{BB962C8B-B14F-4D97-AF65-F5344CB8AC3E}">
@@ -15397,6 +15522,119 @@
 </file>
 
 <file path=ppt/slides/slide14.xml><?xml version="1.0" encoding="utf-8"?>
+<p:sld xmlns:a="http://schemas.openxmlformats.org/drawingml/2006/main" xmlns:r="http://schemas.openxmlformats.org/officeDocument/2006/relationships" xmlns:p="http://schemas.openxmlformats.org/presentationml/2006/main">
+  <p:cSld>
+    <p:spTree>
+      <p:nvGrpSpPr>
+        <p:cNvPr id="1" name=""/>
+        <p:cNvGrpSpPr/>
+        <p:nvPr/>
+      </p:nvGrpSpPr>
+      <p:grpSpPr>
+        <a:xfrm>
+          <a:off x="0" y="0"/>
+          <a:ext cx="0" cy="0"/>
+          <a:chOff x="0" y="0"/>
+          <a:chExt cx="0" cy="0"/>
+        </a:xfrm>
+      </p:grpSpPr>
+      <p:sp>
+        <p:nvSpPr>
+          <p:cNvPr id="2" name="Title 1">
+            <a:extLst>
+              <a:ext uri="{FF2B5EF4-FFF2-40B4-BE49-F238E27FC236}">
+                <a16:creationId xmlns:a16="http://schemas.microsoft.com/office/drawing/2014/main" id="{08192225-443F-CFB1-82EA-1EF24231CC73}"/>
+              </a:ext>
+            </a:extLst>
+          </p:cNvPr>
+          <p:cNvSpPr>
+            <a:spLocks noGrp="1"/>
+          </p:cNvSpPr>
+          <p:nvPr>
+            <p:ph type="title"/>
+          </p:nvPr>
+        </p:nvSpPr>
+        <p:spPr/>
+        <p:txBody>
+          <a:bodyPr/>
+          <a:lstStyle/>
+          <a:p>
+            <a:r>
+              <a:rPr lang="en-IN" dirty="0"/>
+              <a:t>                                                          Home Page After login</a:t>
+            </a:r>
+          </a:p>
+        </p:txBody>
+      </p:sp>
+      <p:sp>
+        <p:nvSpPr>
+          <p:cNvPr id="3" name="Subtitle 2">
+            <a:extLst>
+              <a:ext uri="{FF2B5EF4-FFF2-40B4-BE49-F238E27FC236}">
+                <a16:creationId xmlns:a16="http://schemas.microsoft.com/office/drawing/2014/main" id="{EF6B451C-2E73-8986-9046-0896E56CA9B6}"/>
+              </a:ext>
+            </a:extLst>
+          </p:cNvPr>
+          <p:cNvSpPr>
+            <a:spLocks noGrp="1"/>
+          </p:cNvSpPr>
+          <p:nvPr>
+            <p:ph type="subTitle"/>
+          </p:nvPr>
+        </p:nvSpPr>
+        <p:spPr/>
+        <p:txBody>
+          <a:bodyPr/>
+          <a:lstStyle/>
+          <a:p>
+            <a:endParaRPr lang="en-IN"/>
+          </a:p>
+        </p:txBody>
+      </p:sp>
+      <p:pic>
+        <p:nvPicPr>
+          <p:cNvPr id="5" name="Picture 4" descr="A screenshot of a computer&#10;&#10;Description automatically generated">
+            <a:extLst>
+              <a:ext uri="{FF2B5EF4-FFF2-40B4-BE49-F238E27FC236}">
+                <a16:creationId xmlns:a16="http://schemas.microsoft.com/office/drawing/2014/main" id="{A653E3E3-957F-370C-F974-50C9F218E3B1}"/>
+              </a:ext>
+            </a:extLst>
+          </p:cNvPr>
+          <p:cNvPicPr>
+            <a:picLocks noChangeAspect="1"/>
+          </p:cNvPicPr>
+          <p:nvPr/>
+        </p:nvPicPr>
+        <p:blipFill>
+          <a:blip r:embed="rId2"/>
+          <a:stretch>
+            <a:fillRect/>
+          </a:stretch>
+        </p:blipFill>
+        <p:spPr>
+          <a:xfrm>
+            <a:off x="0" y="1046017"/>
+            <a:ext cx="9144000" cy="3753361"/>
+          </a:xfrm>
+          <a:prstGeom prst="rect">
+            <a:avLst/>
+          </a:prstGeom>
+        </p:spPr>
+      </p:pic>
+    </p:spTree>
+    <p:extLst>
+      <p:ext uri="{BB962C8B-B14F-4D97-AF65-F5344CB8AC3E}">
+        <p14:creationId xmlns:p14="http://schemas.microsoft.com/office/powerpoint/2010/main" val="1716367136"/>
+      </p:ext>
+    </p:extLst>
+  </p:cSld>
+  <p:clrMapOvr>
+    <a:masterClrMapping/>
+  </p:clrMapOvr>
+</p:sld>
+</file>
+
+<file path=ppt/slides/slide15.xml><?xml version="1.0" encoding="utf-8"?>
 <p:sld xmlns:a="http://schemas.openxmlformats.org/drawingml/2006/main" xmlns:r="http://schemas.openxmlformats.org/officeDocument/2006/relationships" xmlns:p="http://schemas.openxmlformats.org/presentationml/2006/main">
   <p:cSld>
     <p:spTree>
@@ -15547,7 +15785,7 @@
 </p:sld>
 </file>
 
-<file path=ppt/slides/slide15.xml><?xml version="1.0" encoding="utf-8"?>
+<file path=ppt/slides/slide16.xml><?xml version="1.0" encoding="utf-8"?>
 <p:sld xmlns:a="http://schemas.openxmlformats.org/drawingml/2006/main" xmlns:r="http://schemas.openxmlformats.org/officeDocument/2006/relationships" xmlns:p="http://schemas.openxmlformats.org/presentationml/2006/main">
   <p:cSld>
     <p:spTree>
@@ -16003,7 +16241,7 @@
 </p:sld>
 </file>
 
-<file path=ppt/slides/slide16.xml><?xml version="1.0" encoding="utf-8"?>
+<file path=ppt/slides/slide17.xml><?xml version="1.0" encoding="utf-8"?>
 <p:sld xmlns:a="http://schemas.openxmlformats.org/drawingml/2006/main" xmlns:r="http://schemas.openxmlformats.org/officeDocument/2006/relationships" xmlns:p="http://schemas.openxmlformats.org/presentationml/2006/main">
   <p:cSld>
     <p:spTree>
@@ -20109,6 +20347,36 @@
           </a:p>
         </p:txBody>
       </p:sp>
+      <p:pic>
+        <p:nvPicPr>
+          <p:cNvPr id="5" name="Picture 4">
+            <a:extLst>
+              <a:ext uri="{FF2B5EF4-FFF2-40B4-BE49-F238E27FC236}">
+                <a16:creationId xmlns:a16="http://schemas.microsoft.com/office/drawing/2014/main" id="{24234C81-4826-EA9D-42E1-5ABFB0D6C8D8}"/>
+              </a:ext>
+            </a:extLst>
+          </p:cNvPr>
+          <p:cNvPicPr>
+            <a:picLocks noChangeAspect="1"/>
+          </p:cNvPicPr>
+          <p:nvPr/>
+        </p:nvPicPr>
+        <p:blipFill>
+          <a:blip r:embed="rId2"/>
+          <a:stretch>
+            <a:fillRect/>
+          </a:stretch>
+        </p:blipFill>
+        <p:spPr>
+          <a:xfrm>
+            <a:off x="422563" y="1224402"/>
+            <a:ext cx="8167255" cy="3698468"/>
+          </a:xfrm>
+          <a:prstGeom prst="rect">
+            <a:avLst/>
+          </a:prstGeom>
+        </p:spPr>
+      </p:pic>
     </p:spTree>
     <p:extLst>
       <p:ext uri="{BB962C8B-B14F-4D97-AF65-F5344CB8AC3E}">
@@ -20685,20 +20953,20 @@
 </file>
 
 <file path=customXml/item1.xml><?xml version="1.0" encoding="utf-8"?>
+<p:properties xmlns:p="http://schemas.microsoft.com/office/2006/metadata/properties" xmlns:xsi="http://www.w3.org/2001/XMLSchema-instance" xmlns:pc="http://schemas.microsoft.com/office/infopath/2007/PartnerControls">
+  <documentManagement>
+    <_activity xmlns="9162bd5b-4ed9-4da3-b376-05204580ba3f" xsi:nil="true"/>
+  </documentManagement>
+</p:properties>
+</file>
+
+<file path=customXml/item2.xml><?xml version="1.0" encoding="utf-8"?>
 <?mso-contentType ?>
 <FormTemplates xmlns="http://schemas.microsoft.com/sharepoint/v3/contenttype/forms">
   <Display>DocumentLibraryForm</Display>
   <Edit>DocumentLibraryForm</Edit>
   <New>DocumentLibraryForm</New>
 </FormTemplates>
-</file>
-
-<file path=customXml/item2.xml><?xml version="1.0" encoding="utf-8"?>
-<p:properties xmlns:p="http://schemas.microsoft.com/office/2006/metadata/properties" xmlns:xsi="http://www.w3.org/2001/XMLSchema-instance" xmlns:pc="http://schemas.microsoft.com/office/infopath/2007/PartnerControls">
-  <documentManagement>
-    <_activity xmlns="9162bd5b-4ed9-4da3-b376-05204580ba3f" xsi:nil="true"/>
-  </documentManagement>
-</p:properties>
 </file>
 
 <file path=customXml/item3.xml><?xml version="1.0" encoding="utf-8"?>
@@ -20937,14 +21205,6 @@
 </file>
 
 <file path=customXml/itemProps1.xml><?xml version="1.0" encoding="utf-8"?>
-<ds:datastoreItem xmlns:ds="http://schemas.openxmlformats.org/officeDocument/2006/customXml" ds:itemID="{3706AB80-2608-47D7-8AC8-FA6BC8A9B27C}">
-  <ds:schemaRefs>
-    <ds:schemaRef ds:uri="http://schemas.microsoft.com/sharepoint/v3/contenttype/forms"/>
-  </ds:schemaRefs>
-</ds:datastoreItem>
-</file>
-
-<file path=customXml/itemProps2.xml><?xml version="1.0" encoding="utf-8"?>
 <ds:datastoreItem xmlns:ds="http://schemas.openxmlformats.org/officeDocument/2006/customXml" ds:itemID="{A6559A34-456E-49A1-8157-9E3D18BFAD36}">
   <ds:schemaRefs>
     <ds:schemaRef ds:uri="9162bd5b-4ed9-4da3-b376-05204580ba3f"/>
@@ -20957,6 +21217,14 @@
     <ds:schemaRef ds:uri="http://schemas.microsoft.com/office/infopath/2007/PartnerControls"/>
     <ds:schemaRef ds:uri="http://schemas.openxmlformats.org/package/2006/metadata/core-properties"/>
     <ds:schemaRef ds:uri="http://www.w3.org/XML/1998/namespace"/>
+  </ds:schemaRefs>
+</ds:datastoreItem>
+</file>
+
+<file path=customXml/itemProps2.xml><?xml version="1.0" encoding="utf-8"?>
+<ds:datastoreItem xmlns:ds="http://schemas.openxmlformats.org/officeDocument/2006/customXml" ds:itemID="{3706AB80-2608-47D7-8AC8-FA6BC8A9B27C}">
+  <ds:schemaRefs>
+    <ds:schemaRef ds:uri="http://schemas.microsoft.com/sharepoint/v3/contenttype/forms"/>
   </ds:schemaRefs>
 </ds:datastoreItem>
 </file>
